--- a/16-tuning_ohai.pptx
+++ b/16-tuning_ohai.pptx
@@ -3964,14 +3964,14 @@
           </a:ln>
           <a:extLst>
             <a:ext uri="{909E8E84-426E-40dd-AFC4-6F175D3DCCD1}">
-              <a14:hiddenFill xmlns="" xmlns:a14="http://schemas.microsoft.com/office/drawing/2010/main">
+              <a14:hiddenFill xmlns:a14="http://schemas.microsoft.com/office/drawing/2010/main" xmlns="">
                 <a:solidFill>
                   <a:srgbClr val="FFFFFF"/>
                 </a:solidFill>
               </a14:hiddenFill>
             </a:ext>
             <a:ext uri="{91240B29-F687-4f45-9708-019B960494DF}">
-              <a14:hiddenLine xmlns="" xmlns:a14="http://schemas.microsoft.com/office/drawing/2010/main" w="9525">
+              <a14:hiddenLine xmlns:a14="http://schemas.microsoft.com/office/drawing/2010/main" xmlns="" w="9525">
                 <a:solidFill>
                   <a:srgbClr val="000000"/>
                 </a:solidFill>
@@ -4119,14 +4119,14 @@
           </a:ln>
           <a:extLst>
             <a:ext uri="{909E8E84-426E-40dd-AFC4-6F175D3DCCD1}">
-              <a14:hiddenFill xmlns="" xmlns:a14="http://schemas.microsoft.com/office/drawing/2010/main">
+              <a14:hiddenFill xmlns:a14="http://schemas.microsoft.com/office/drawing/2010/main" xmlns="">
                 <a:solidFill>
                   <a:srgbClr val="FFFFFF"/>
                 </a:solidFill>
               </a14:hiddenFill>
             </a:ext>
             <a:ext uri="{91240B29-F687-4f45-9708-019B960494DF}">
-              <a14:hiddenLine xmlns="" xmlns:a14="http://schemas.microsoft.com/office/drawing/2010/main" w="9525">
+              <a14:hiddenLine xmlns:a14="http://schemas.microsoft.com/office/drawing/2010/main" xmlns="" w="9525">
                 <a:solidFill>
                   <a:srgbClr val="000000"/>
                 </a:solidFill>
@@ -4617,14 +4617,14 @@
           </a:ln>
           <a:extLst>
             <a:ext uri="{909E8E84-426E-40dd-AFC4-6F175D3DCCD1}">
-              <a14:hiddenFill xmlns="" xmlns:a14="http://schemas.microsoft.com/office/drawing/2010/main">
+              <a14:hiddenFill xmlns:a14="http://schemas.microsoft.com/office/drawing/2010/main" xmlns="">
                 <a:solidFill>
                   <a:srgbClr val="FFFFFF"/>
                 </a:solidFill>
               </a14:hiddenFill>
             </a:ext>
             <a:ext uri="{91240B29-F687-4f45-9708-019B960494DF}">
-              <a14:hiddenLine xmlns="" xmlns:a14="http://schemas.microsoft.com/office/drawing/2010/main" w="9525">
+              <a14:hiddenLine xmlns:a14="http://schemas.microsoft.com/office/drawing/2010/main" xmlns="" w="9525">
                 <a:solidFill>
                   <a:srgbClr val="000000"/>
                 </a:solidFill>
@@ -6337,14 +6337,14 @@
           </a:ln>
           <a:extLst>
             <a:ext uri="{909E8E84-426E-40dd-AFC4-6F175D3DCCD1}">
-              <a14:hiddenFill xmlns="" xmlns:a14="http://schemas.microsoft.com/office/drawing/2010/main">
+              <a14:hiddenFill xmlns:a14="http://schemas.microsoft.com/office/drawing/2010/main" xmlns="">
                 <a:solidFill>
                   <a:srgbClr val="FFFFFF"/>
                 </a:solidFill>
               </a14:hiddenFill>
             </a:ext>
             <a:ext uri="{91240B29-F687-4f45-9708-019B960494DF}">
-              <a14:hiddenLine xmlns="" xmlns:a14="http://schemas.microsoft.com/office/drawing/2010/main" w="9525">
+              <a14:hiddenLine xmlns:a14="http://schemas.microsoft.com/office/drawing/2010/main" xmlns="" w="9525">
                 <a:solidFill>
                   <a:srgbClr val="000000"/>
                 </a:solidFill>
@@ -8158,14 +8158,14 @@
           </a:ln>
           <a:extLst>
             <a:ext uri="{909E8E84-426E-40dd-AFC4-6F175D3DCCD1}">
-              <a14:hiddenFill xmlns="" xmlns:a14="http://schemas.microsoft.com/office/drawing/2010/main">
+              <a14:hiddenFill xmlns:a14="http://schemas.microsoft.com/office/drawing/2010/main" xmlns="">
                 <a:solidFill>
                   <a:srgbClr val="FFFFFF"/>
                 </a:solidFill>
               </a14:hiddenFill>
             </a:ext>
             <a:ext uri="{91240B29-F687-4f45-9708-019B960494DF}">
-              <a14:hiddenLine xmlns="" xmlns:a14="http://schemas.microsoft.com/office/drawing/2010/main" w="9525">
+              <a14:hiddenLine xmlns:a14="http://schemas.microsoft.com/office/drawing/2010/main" xmlns="" w="9525">
                 <a:solidFill>
                   <a:srgbClr val="000000"/>
                 </a:solidFill>
@@ -8521,14 +8521,14 @@
           </a:ln>
           <a:extLst>
             <a:ext uri="{909E8E84-426E-40dd-AFC4-6F175D3DCCD1}">
-              <a14:hiddenFill xmlns="" xmlns:a14="http://schemas.microsoft.com/office/drawing/2010/main">
+              <a14:hiddenFill xmlns:a14="http://schemas.microsoft.com/office/drawing/2010/main" xmlns="">
                 <a:solidFill>
                   <a:srgbClr val="FFFFFF"/>
                 </a:solidFill>
               </a14:hiddenFill>
             </a:ext>
             <a:ext uri="{91240B29-F687-4f45-9708-019B960494DF}">
-              <a14:hiddenLine xmlns="" xmlns:a14="http://schemas.microsoft.com/office/drawing/2010/main" w="9525">
+              <a14:hiddenLine xmlns:a14="http://schemas.microsoft.com/office/drawing/2010/main" xmlns="" w="9525">
                 <a:solidFill>
                   <a:srgbClr val="000000"/>
                 </a:solidFill>
@@ -9086,14 +9086,14 @@
           </a:ln>
           <a:extLst>
             <a:ext uri="{909E8E84-426E-40dd-AFC4-6F175D3DCCD1}">
-              <a14:hiddenFill xmlns="" xmlns:a14="http://schemas.microsoft.com/office/drawing/2010/main">
+              <a14:hiddenFill xmlns:a14="http://schemas.microsoft.com/office/drawing/2010/main" xmlns="">
                 <a:solidFill>
                   <a:srgbClr val="FFFFFF"/>
                 </a:solidFill>
               </a14:hiddenFill>
             </a:ext>
             <a:ext uri="{91240B29-F687-4f45-9708-019B960494DF}">
-              <a14:hiddenLine xmlns="" xmlns:a14="http://schemas.microsoft.com/office/drawing/2010/main" w="9525">
+              <a14:hiddenLine xmlns:a14="http://schemas.microsoft.com/office/drawing/2010/main" xmlns="" w="9525">
                 <a:solidFill>
                   <a:srgbClr val="000000"/>
                 </a:solidFill>
@@ -9660,14 +9660,14 @@
           </a:ln>
           <a:extLst>
             <a:ext uri="{909E8E84-426E-40dd-AFC4-6F175D3DCCD1}">
-              <a14:hiddenFill xmlns="" xmlns:a14="http://schemas.microsoft.com/office/drawing/2010/main">
+              <a14:hiddenFill xmlns:a14="http://schemas.microsoft.com/office/drawing/2010/main" xmlns="">
                 <a:solidFill>
                   <a:srgbClr val="FFFFFF"/>
                 </a:solidFill>
               </a14:hiddenFill>
             </a:ext>
             <a:ext uri="{91240B29-F687-4f45-9708-019B960494DF}">
-              <a14:hiddenLine xmlns="" xmlns:a14="http://schemas.microsoft.com/office/drawing/2010/main" w="9525">
+              <a14:hiddenLine xmlns:a14="http://schemas.microsoft.com/office/drawing/2010/main" xmlns="" w="9525">
                 <a:solidFill>
                   <a:srgbClr val="000000"/>
                 </a:solidFill>
@@ -10607,14 +10607,14 @@
           </a:ln>
           <a:extLst>
             <a:ext uri="{909E8E84-426E-40dd-AFC4-6F175D3DCCD1}">
-              <a14:hiddenFill xmlns="" xmlns:a14="http://schemas.microsoft.com/office/drawing/2010/main">
+              <a14:hiddenFill xmlns:a14="http://schemas.microsoft.com/office/drawing/2010/main" xmlns="">
                 <a:solidFill>
                   <a:srgbClr val="FFFFFF"/>
                 </a:solidFill>
               </a14:hiddenFill>
             </a:ext>
             <a:ext uri="{91240B29-F687-4f45-9708-019B960494DF}">
-              <a14:hiddenLine xmlns="" xmlns:a14="http://schemas.microsoft.com/office/drawing/2010/main" w="9525">
+              <a14:hiddenLine xmlns:a14="http://schemas.microsoft.com/office/drawing/2010/main" xmlns="" w="9525">
                 <a:solidFill>
                   <a:srgbClr val="000000"/>
                 </a:solidFill>
@@ -10713,7 +10713,7 @@
                 <a:ea typeface="+mn-ea"/>
                 <a:cs typeface="+mn-cs"/>
               </a:rPr>
-              <a:t>2017</a:t>
+              <a:t>2018</a:t>
             </a:r>
             <a:r>
               <a:rPr lang="en-US" dirty="0">
@@ -11370,14 +11370,14 @@
           </a:ln>
           <a:extLst>
             <a:ext uri="{909E8E84-426E-40dd-AFC4-6F175D3DCCD1}">
-              <a14:hiddenFill xmlns="" xmlns:a14="http://schemas.microsoft.com/office/drawing/2010/main">
+              <a14:hiddenFill xmlns:a14="http://schemas.microsoft.com/office/drawing/2010/main" xmlns="">
                 <a:solidFill>
                   <a:srgbClr val="FFFFFF"/>
                 </a:solidFill>
               </a14:hiddenFill>
             </a:ext>
             <a:ext uri="{91240B29-F687-4f45-9708-019B960494DF}">
-              <a14:hiddenLine xmlns="" xmlns:a14="http://schemas.microsoft.com/office/drawing/2010/main" w="9525">
+              <a14:hiddenLine xmlns:a14="http://schemas.microsoft.com/office/drawing/2010/main" xmlns="" w="9525">
                 <a:solidFill>
                   <a:srgbClr val="000000"/>
                 </a:solidFill>
@@ -11476,7 +11476,7 @@
                 <a:ea typeface="+mn-ea"/>
                 <a:cs typeface="+mn-cs"/>
               </a:rPr>
-              <a:t>2017</a:t>
+              <a:t>2018</a:t>
             </a:r>
             <a:r>
               <a:rPr lang="en-US" dirty="0">
@@ -18062,27 +18062,6 @@
 </file>
 
 <file path=customXml/item1.xml><?xml version="1.0" encoding="utf-8"?>
-<p:properties xmlns:p="http://schemas.microsoft.com/office/2006/metadata/properties" xmlns:xsi="http://www.w3.org/2001/XMLSchema-instance" xmlns:pc="http://schemas.microsoft.com/office/infopath/2007/PartnerControls">
-  <documentManagement>
-    <_dlc_DocId xmlns="7bb5d761-a2ea-4873-95f7-7a6658fb3ef0">M4CWTKMW727E-592-73</_dlc_DocId>
-    <_dlc_DocIdUrl xmlns="7bb5d761-a2ea-4873-95f7-7a6658fb3ef0">
-      <Url>https://kms.vci.local/marketing/team/_layouts/DocIdRedir.aspx?ID=M4CWTKMW727E-592-73</Url>
-      <Description>M4CWTKMW727E-592-73</Description>
-    </_dlc_DocIdUrl>
-  </documentManagement>
-</p:properties>
-</file>
-
-<file path=customXml/item2.xml><?xml version="1.0" encoding="utf-8"?>
-<?mso-contentType ?>
-<FormTemplates xmlns="http://schemas.microsoft.com/sharepoint/v3/contenttype/forms">
-  <Display>DocumentLibraryForm</Display>
-  <Edit>DocumentLibraryForm</Edit>
-  <New>DocumentLibraryForm</New>
-</FormTemplates>
-</file>
-
-<file path=customXml/item3.xml><?xml version="1.0" encoding="utf-8"?>
 <?mso-contentType ?>
 <spe:Receivers xmlns:spe="http://schemas.microsoft.com/sharepoint/events">
   <Receiver>
@@ -18126,6 +18105,27 @@
     <Filter/>
   </Receiver>
 </spe:Receivers>
+</file>
+
+<file path=customXml/item2.xml><?xml version="1.0" encoding="utf-8"?>
+<?mso-contentType ?>
+<FormTemplates xmlns="http://schemas.microsoft.com/sharepoint/v3/contenttype/forms">
+  <Display>DocumentLibraryForm</Display>
+  <Edit>DocumentLibraryForm</Edit>
+  <New>DocumentLibraryForm</New>
+</FormTemplates>
+</file>
+
+<file path=customXml/item3.xml><?xml version="1.0" encoding="utf-8"?>
+<p:properties xmlns:p="http://schemas.microsoft.com/office/2006/metadata/properties" xmlns:xsi="http://www.w3.org/2001/XMLSchema-instance" xmlns:pc="http://schemas.microsoft.com/office/infopath/2007/PartnerControls">
+  <documentManagement>
+    <_dlc_DocId xmlns="7bb5d761-a2ea-4873-95f7-7a6658fb3ef0">M4CWTKMW727E-592-73</_dlc_DocId>
+    <_dlc_DocIdUrl xmlns="7bb5d761-a2ea-4873-95f7-7a6658fb3ef0">
+      <Url>https://kms.vci.local/marketing/team/_layouts/DocIdRedir.aspx?ID=M4CWTKMW727E-592-73</Url>
+      <Description>M4CWTKMW727E-592-73</Description>
+    </_dlc_DocIdUrl>
+  </documentManagement>
+</p:properties>
 </file>
 
 <file path=customXml/item4.xml><?xml version="1.0" encoding="utf-8"?>
@@ -18274,17 +18274,9 @@
 </file>
 
 <file path=customXml/itemProps1.xml><?xml version="1.0" encoding="utf-8"?>
-<ds:datastoreItem xmlns:ds="http://schemas.openxmlformats.org/officeDocument/2006/customXml" ds:itemID="{6921749B-AEB7-461B-845F-603CABD25259}">
+<ds:datastoreItem xmlns:ds="http://schemas.openxmlformats.org/officeDocument/2006/customXml" ds:itemID="{B13EBC30-FE27-4C6A-B723-23FC2188F7DC}">
   <ds:schemaRefs>
-    <ds:schemaRef ds:uri="7bb5d761-a2ea-4873-95f7-7a6658fb3ef0"/>
-    <ds:schemaRef ds:uri="http://purl.org/dc/terms/"/>
-    <ds:schemaRef ds:uri="http://schemas.openxmlformats.org/package/2006/metadata/core-properties"/>
-    <ds:schemaRef ds:uri="http://purl.org/dc/dcmitype/"/>
-    <ds:schemaRef ds:uri="http://schemas.microsoft.com/office/2006/documentManagement/types"/>
-    <ds:schemaRef ds:uri="http://purl.org/dc/elements/1.1/"/>
-    <ds:schemaRef ds:uri="http://schemas.microsoft.com/office/2006/metadata/properties"/>
-    <ds:schemaRef ds:uri="http://schemas.microsoft.com/office/infopath/2007/PartnerControls"/>
-    <ds:schemaRef ds:uri="http://www.w3.org/XML/1998/namespace"/>
+    <ds:schemaRef ds:uri="http://schemas.microsoft.com/sharepoint/events"/>
   </ds:schemaRefs>
 </ds:datastoreItem>
 </file>
@@ -18298,9 +18290,17 @@
 </file>
 
 <file path=customXml/itemProps3.xml><?xml version="1.0" encoding="utf-8"?>
-<ds:datastoreItem xmlns:ds="http://schemas.openxmlformats.org/officeDocument/2006/customXml" ds:itemID="{B13EBC30-FE27-4C6A-B723-23FC2188F7DC}">
+<ds:datastoreItem xmlns:ds="http://schemas.openxmlformats.org/officeDocument/2006/customXml" ds:itemID="{6921749B-AEB7-461B-845F-603CABD25259}">
   <ds:schemaRefs>
-    <ds:schemaRef ds:uri="http://schemas.microsoft.com/sharepoint/events"/>
+    <ds:schemaRef ds:uri="7bb5d761-a2ea-4873-95f7-7a6658fb3ef0"/>
+    <ds:schemaRef ds:uri="http://purl.org/dc/terms/"/>
+    <ds:schemaRef ds:uri="http://schemas.openxmlformats.org/package/2006/metadata/core-properties"/>
+    <ds:schemaRef ds:uri="http://purl.org/dc/dcmitype/"/>
+    <ds:schemaRef ds:uri="http://schemas.microsoft.com/office/2006/documentManagement/types"/>
+    <ds:schemaRef ds:uri="http://purl.org/dc/elements/1.1/"/>
+    <ds:schemaRef ds:uri="http://schemas.microsoft.com/office/2006/metadata/properties"/>
+    <ds:schemaRef ds:uri="http://schemas.microsoft.com/office/infopath/2007/PartnerControls"/>
+    <ds:schemaRef ds:uri="http://www.w3.org/XML/1998/namespace"/>
   </ds:schemaRefs>
 </ds:datastoreItem>
 </file>
